--- a/Project Presentation.pptx
+++ b/Project Presentation.pptx
@@ -120,6 +120,11 @@
       </a:defRPr>
     </a:lvl9pPr>
   </p:defaultTextStyle>
+  <p:extLst>
+    <p:ext uri="{EFAFB233-063F-42B5-8137-9DF3F51BA10A}">
+      <p15:sldGuideLst xmlns:p15="http://schemas.microsoft.com/office/powerpoint/2012/main"/>
+    </p:ext>
+  </p:extLst>
 </p:presentation>
 </file>
 
@@ -205,7 +210,7 @@
           <a:p>
             <a:fld id="{7699AFB6-0FA4-4C63-975E-E44D875123A2}" type="datetimeFigureOut">
               <a:rPr lang="en-US" smtClean="0"/>
-              <a:t>12/9/2018</a:t>
+              <a:t>12/12/18</a:t>
             </a:fld>
             <a:endParaRPr lang="en-US"/>
           </a:p>
@@ -5095,7 +5100,7 @@
           <a:graphicData uri="http://schemas.openxmlformats.org/presentationml/2006/ole">
             <mc:AlternateContent xmlns:mc="http://schemas.openxmlformats.org/markup-compatibility/2006">
               <mc:Choice xmlns:v="urn:schemas-microsoft-com:vml" Requires="v">
-                <p:oleObj spid="_x0000_s1037" name="think-cell Folie" r:id="rId17" imgW="425" imgH="426" progId="TCLayout.ActiveDocument.1">
+                <p:oleObj spid="_x0000_s1038" name="think-cell Folie" r:id="rId17" imgW="425" imgH="426" progId="TCLayout.ActiveDocument.1">
                   <p:embed/>
                 </p:oleObj>
               </mc:Choice>
@@ -6784,8 +6789,8 @@
         </p:nvSpPr>
         <p:spPr>
           <a:xfrm>
-            <a:off x="5527040" y="325120"/>
-            <a:ext cx="6421120" cy="6075680"/>
+            <a:off x="5527040" y="320634"/>
+            <a:ext cx="6217656" cy="4104148"/>
           </a:xfrm>
           <a:prstGeom prst="roundRect">
             <a:avLst/>
@@ -6994,7 +6999,7 @@
         </p:blipFill>
         <p:spPr>
           <a:xfrm>
-            <a:off x="2933617" y="3049929"/>
+            <a:off x="4340333" y="4995880"/>
             <a:ext cx="2397753" cy="639001"/>
           </a:xfrm>
           <a:prstGeom prst="rect">
@@ -16451,7 +16456,7 @@
                   </a:solidFill>
                   <a:latin typeface="+mj-lt"/>
                 </a:rPr>
-                <a:t>What kind of company?</a:t>
+                <a:t>How to register the company?</a:t>
               </a:r>
             </a:p>
           </p:txBody>
@@ -18029,15 +18034,31 @@
           <a:lstStyle/>
           <a:p>
             <a:r>
-              <a:rPr lang="en-US" dirty="0"/>
-              <a:t>Market for </a:t>
+              <a:rPr lang="en-US" spc="-133" dirty="0">
+                <a:solidFill>
+                  <a:schemeClr val="accent1"/>
+                </a:solidFill>
+              </a:rPr>
+              <a:t>Market </a:t>
             </a:r>
             <a:r>
-              <a:rPr lang="en-US" dirty="0" err="1"/>
+              <a:rPr lang="en-US" dirty="0"/>
+              <a:t>for </a:t>
+            </a:r>
+            <a:r>
+              <a:rPr lang="en-US" spc="-133" dirty="0" err="1">
+                <a:solidFill>
+                  <a:schemeClr val="accent1"/>
+                </a:solidFill>
+              </a:rPr>
               <a:t>crm</a:t>
             </a:r>
             <a:r>
-              <a:rPr lang="en-US" dirty="0"/>
+              <a:rPr lang="en-US" spc="-133" dirty="0">
+                <a:solidFill>
+                  <a:schemeClr val="accent1"/>
+                </a:solidFill>
+              </a:rPr>
               <a:t> systems</a:t>
             </a:r>
           </a:p>
@@ -18065,7 +18086,11 @@
           <a:lstStyle/>
           <a:p>
             <a:r>
-              <a:rPr lang="en-US" dirty="0"/>
+              <a:rPr lang="en-US" dirty="0">
+                <a:solidFill>
+                  <a:schemeClr val="tx1"/>
+                </a:solidFill>
+              </a:rPr>
               <a:t>What is the</a:t>
             </a:r>
           </a:p>
